--- a/Thread Synchronization.pptx
+++ b/Thread Synchronization.pptx
@@ -260,7 +260,7 @@
             <a:fld id="{A4C95425-4F25-43AB-87EE-C79679690790}" type="datetimeFigureOut">
               <a:rPr lang="en-US" smtClean="0"/>
               <a:pPr/>
-              <a:t>3/11/2014</a:t>
+              <a:t>4/19/2019</a:t>
             </a:fld>
             <a:endParaRPr lang="en-US"/>
           </a:p>
@@ -1131,7 +1131,7 @@
             <a:fld id="{A4C95425-4F25-43AB-87EE-C79679690790}" type="datetimeFigureOut">
               <a:rPr lang="en-US" smtClean="0"/>
               <a:pPr/>
-              <a:t>3/11/2014</a:t>
+              <a:t>4/19/2019</a:t>
             </a:fld>
             <a:endParaRPr lang="en-US"/>
           </a:p>
@@ -1308,7 +1308,7 @@
             <a:fld id="{A4C95425-4F25-43AB-87EE-C79679690790}" type="datetimeFigureOut">
               <a:rPr lang="en-US" smtClean="0"/>
               <a:pPr/>
-              <a:t>3/11/2014</a:t>
+              <a:t>4/19/2019</a:t>
             </a:fld>
             <a:endParaRPr lang="en-US"/>
           </a:p>
@@ -1480,7 +1480,7 @@
             <a:fld id="{A4C95425-4F25-43AB-87EE-C79679690790}" type="datetimeFigureOut">
               <a:rPr lang="en-US" smtClean="0"/>
               <a:pPr/>
-              <a:t>3/11/2014</a:t>
+              <a:t>4/19/2019</a:t>
             </a:fld>
             <a:endParaRPr lang="en-US"/>
           </a:p>
@@ -1692,7 +1692,7 @@
             <a:fld id="{A4C95425-4F25-43AB-87EE-C79679690790}" type="datetimeFigureOut">
               <a:rPr lang="en-US" smtClean="0"/>
               <a:pPr/>
-              <a:t>3/11/2014</a:t>
+              <a:t>4/19/2019</a:t>
             </a:fld>
             <a:endParaRPr lang="en-US"/>
           </a:p>
@@ -2508,7 +2508,7 @@
             <a:fld id="{A4C95425-4F25-43AB-87EE-C79679690790}" type="datetimeFigureOut">
               <a:rPr lang="en-US" smtClean="0"/>
               <a:pPr/>
-              <a:t>3/11/2014</a:t>
+              <a:t>4/19/2019</a:t>
             </a:fld>
             <a:endParaRPr lang="en-US"/>
           </a:p>
@@ -2746,7 +2746,7 @@
             <a:fld id="{A4C95425-4F25-43AB-87EE-C79679690790}" type="datetimeFigureOut">
               <a:rPr lang="en-US" smtClean="0"/>
               <a:pPr/>
-              <a:t>3/11/2014</a:t>
+              <a:t>4/19/2019</a:t>
             </a:fld>
             <a:endParaRPr lang="en-US"/>
           </a:p>
@@ -3071,7 +3071,7 @@
             <a:fld id="{A4C95425-4F25-43AB-87EE-C79679690790}" type="datetimeFigureOut">
               <a:rPr lang="en-US" smtClean="0"/>
               <a:pPr/>
-              <a:t>3/11/2014</a:t>
+              <a:t>4/19/2019</a:t>
             </a:fld>
             <a:endParaRPr lang="en-US"/>
           </a:p>
@@ -3163,7 +3163,7 @@
             <a:fld id="{A4C95425-4F25-43AB-87EE-C79679690790}" type="datetimeFigureOut">
               <a:rPr lang="en-US" smtClean="0"/>
               <a:pPr/>
-              <a:t>3/11/2014</a:t>
+              <a:t>4/19/2019</a:t>
             </a:fld>
             <a:endParaRPr lang="en-US"/>
           </a:p>
@@ -3682,7 +3682,7 @@
             <a:fld id="{A4C95425-4F25-43AB-87EE-C79679690790}" type="datetimeFigureOut">
               <a:rPr lang="en-US" smtClean="0"/>
               <a:pPr/>
-              <a:t>3/11/2014</a:t>
+              <a:t>4/19/2019</a:t>
             </a:fld>
             <a:endParaRPr lang="en-US"/>
           </a:p>
@@ -4195,7 +4195,7 @@
             <a:fld id="{A4C95425-4F25-43AB-87EE-C79679690790}" type="datetimeFigureOut">
               <a:rPr lang="en-US" smtClean="0"/>
               <a:pPr/>
-              <a:t>3/11/2014</a:t>
+              <a:t>4/19/2019</a:t>
             </a:fld>
             <a:endParaRPr lang="en-US"/>
           </a:p>
@@ -4442,7 +4442,7 @@
             <a:fld id="{A4C95425-4F25-43AB-87EE-C79679690790}" type="datetimeFigureOut">
               <a:rPr lang="en-US" smtClean="0"/>
               <a:pPr/>
-              <a:t>3/11/2014</a:t>
+              <a:t>4/19/2019</a:t>
             </a:fld>
             <a:endParaRPr lang="en-US"/>
           </a:p>
@@ -5094,7 +5094,7 @@
       </p:sp>
       <p:sp>
         <p:nvSpPr>
-          <p:cNvPr id="3" name="Subtitle 2"/>
+          <p:cNvPr id="4" name="Subtitle 3"/>
           <p:cNvSpPr>
             <a:spLocks noGrp="1"/>
           </p:cNvSpPr>
@@ -5107,24 +5107,7 @@
           <a:bodyPr/>
           <a:lstStyle/>
           <a:p>
-            <a:pPr algn="r"/>
-            <a:r>
-              <a:rPr lang="en-US" dirty="0" smtClean="0"/>
-              <a:t>By </a:t>
-            </a:r>
-            <a:r>
-              <a:rPr lang="en-US" dirty="0" err="1" smtClean="0"/>
-              <a:t>Sumit</a:t>
-            </a:r>
-            <a:r>
-              <a:rPr lang="en-US" dirty="0" smtClean="0"/>
-              <a:t> </a:t>
-            </a:r>
-            <a:r>
-              <a:rPr lang="en-US" dirty="0" err="1" smtClean="0"/>
-              <a:t>Jadhav</a:t>
-            </a:r>
-            <a:endParaRPr lang="en-US" dirty="0"/>
+            <a:endParaRPr lang="en-IN"/>
           </a:p>
         </p:txBody>
       </p:sp>
@@ -5261,11 +5244,6 @@
               </a:rPr>
               <a:t>) </a:t>
             </a:r>
-            <a:endParaRPr lang="en-US" sz="2400" dirty="0" smtClean="0">
-              <a:solidFill>
-                <a:srgbClr val="00B050"/>
-              </a:solidFill>
-            </a:endParaRPr>
           </a:p>
           <a:p>
             <a:pPr lvl="2">
@@ -5290,21 +5268,8 @@
                   <a:srgbClr val="00B050"/>
                 </a:solidFill>
               </a:rPr>
-              <a:t>// </a:t>
-            </a:r>
-            <a:r>
-              <a:rPr lang="en-US" sz="2400" dirty="0" smtClean="0">
-                <a:solidFill>
-                  <a:srgbClr val="00B050"/>
-                </a:solidFill>
-              </a:rPr>
-              <a:t>Critical Section</a:t>
-            </a:r>
-            <a:endParaRPr lang="en-US" sz="2400" dirty="0" smtClean="0">
-              <a:solidFill>
-                <a:srgbClr val="00B050"/>
-              </a:solidFill>
-            </a:endParaRPr>
+              <a:t>// Critical Section</a:t>
+            </a:r>
           </a:p>
           <a:p>
             <a:pPr lvl="2">
@@ -6253,15 +6218,7 @@
                   <a:srgbClr val="00B050"/>
                 </a:solidFill>
               </a:rPr>
-              <a:t>new </a:t>
-            </a:r>
-            <a:r>
-              <a:rPr lang="en-US" smtClean="0">
-                <a:solidFill>
-                  <a:srgbClr val="00B050"/>
-                </a:solidFill>
-              </a:rPr>
-              <a:t>Semaphore(4,5);</a:t>
+              <a:t>new Semaphore(4,5);</a:t>
             </a:r>
             <a:endParaRPr lang="en-US" dirty="0" smtClean="0">
               <a:solidFill>
